--- a/CompSET/PRESENTATION/OMGcringePRZNTSHN.pptx
+++ b/CompSET/PRESENTATION/OMGcringePRZNTSHN.pptx
@@ -15,8 +15,9 @@
     <p:sldId id="280" r:id="rId9"/>
     <p:sldId id="281" r:id="rId10"/>
     <p:sldId id="279" r:id="rId11"/>
-    <p:sldId id="282" r:id="rId12"/>
-    <p:sldId id="264" r:id="rId13"/>
+    <p:sldId id="283" r:id="rId12"/>
+    <p:sldId id="282" r:id="rId13"/>
+    <p:sldId id="264" r:id="rId14"/>
   </p:sldIdLst>
   <p:sldSz cx="12192000" cy="6858000"/>
   <p:notesSz cx="6858000" cy="9144000"/>
@@ -1316,7 +1317,7 @@
           <a:p>
             <a:fld id="{F2FFB779-270B-4192-84BA-A697F48306DC}" type="datetimeFigureOut">
               <a:rPr lang="ru-RU" smtClean="0"/>
-              <a:t>15.02.2026</a:t>
+              <a:t>16.02.2026</a:t>
             </a:fld>
             <a:endParaRPr lang="ru-RU"/>
           </a:p>
@@ -1484,7 +1485,7 @@
           <a:p>
             <a:fld id="{F2FFB779-270B-4192-84BA-A697F48306DC}" type="datetimeFigureOut">
               <a:rPr lang="ru-RU" smtClean="0"/>
-              <a:t>15.02.2026</a:t>
+              <a:t>16.02.2026</a:t>
             </a:fld>
             <a:endParaRPr lang="ru-RU"/>
           </a:p>
@@ -1662,7 +1663,7 @@
           <a:p>
             <a:fld id="{F2FFB779-270B-4192-84BA-A697F48306DC}" type="datetimeFigureOut">
               <a:rPr lang="ru-RU" smtClean="0"/>
-              <a:t>15.02.2026</a:t>
+              <a:t>16.02.2026</a:t>
             </a:fld>
             <a:endParaRPr lang="ru-RU"/>
           </a:p>
@@ -1830,7 +1831,7 @@
           <a:p>
             <a:fld id="{F2FFB779-270B-4192-84BA-A697F48306DC}" type="datetimeFigureOut">
               <a:rPr lang="ru-RU" smtClean="0"/>
-              <a:t>15.02.2026</a:t>
+              <a:t>16.02.2026</a:t>
             </a:fld>
             <a:endParaRPr lang="ru-RU"/>
           </a:p>
@@ -2075,7 +2076,7 @@
           <a:p>
             <a:fld id="{F2FFB779-270B-4192-84BA-A697F48306DC}" type="datetimeFigureOut">
               <a:rPr lang="ru-RU" smtClean="0"/>
-              <a:t>15.02.2026</a:t>
+              <a:t>16.02.2026</a:t>
             </a:fld>
             <a:endParaRPr lang="ru-RU"/>
           </a:p>
@@ -2304,7 +2305,7 @@
           <a:p>
             <a:fld id="{F2FFB779-270B-4192-84BA-A697F48306DC}" type="datetimeFigureOut">
               <a:rPr lang="ru-RU" smtClean="0"/>
-              <a:t>15.02.2026</a:t>
+              <a:t>16.02.2026</a:t>
             </a:fld>
             <a:endParaRPr lang="ru-RU"/>
           </a:p>
@@ -2668,7 +2669,7 @@
           <a:p>
             <a:fld id="{F2FFB779-270B-4192-84BA-A697F48306DC}" type="datetimeFigureOut">
               <a:rPr lang="ru-RU" smtClean="0"/>
-              <a:t>15.02.2026</a:t>
+              <a:t>16.02.2026</a:t>
             </a:fld>
             <a:endParaRPr lang="ru-RU"/>
           </a:p>
@@ -2785,7 +2786,7 @@
           <a:p>
             <a:fld id="{F2FFB779-270B-4192-84BA-A697F48306DC}" type="datetimeFigureOut">
               <a:rPr lang="ru-RU" smtClean="0"/>
-              <a:t>15.02.2026</a:t>
+              <a:t>16.02.2026</a:t>
             </a:fld>
             <a:endParaRPr lang="ru-RU"/>
           </a:p>
@@ -2880,7 +2881,7 @@
           <a:p>
             <a:fld id="{F2FFB779-270B-4192-84BA-A697F48306DC}" type="datetimeFigureOut">
               <a:rPr lang="ru-RU" smtClean="0"/>
-              <a:t>15.02.2026</a:t>
+              <a:t>16.02.2026</a:t>
             </a:fld>
             <a:endParaRPr lang="ru-RU"/>
           </a:p>
@@ -3155,7 +3156,7 @@
           <a:p>
             <a:fld id="{F2FFB779-270B-4192-84BA-A697F48306DC}" type="datetimeFigureOut">
               <a:rPr lang="ru-RU" smtClean="0"/>
-              <a:t>15.02.2026</a:t>
+              <a:t>16.02.2026</a:t>
             </a:fld>
             <a:endParaRPr lang="ru-RU"/>
           </a:p>
@@ -3407,7 +3408,7 @@
           <a:p>
             <a:fld id="{F2FFB779-270B-4192-84BA-A697F48306DC}" type="datetimeFigureOut">
               <a:rPr lang="ru-RU" smtClean="0"/>
-              <a:t>15.02.2026</a:t>
+              <a:t>16.02.2026</a:t>
             </a:fld>
             <a:endParaRPr lang="ru-RU"/>
           </a:p>
@@ -3618,7 +3619,7 @@
           <a:p>
             <a:fld id="{F2FFB779-270B-4192-84BA-A697F48306DC}" type="datetimeFigureOut">
               <a:rPr lang="ru-RU" smtClean="0"/>
-              <a:t>15.02.2026</a:t>
+              <a:t>16.02.2026</a:t>
             </a:fld>
             <a:endParaRPr lang="ru-RU"/>
           </a:p>
@@ -4548,6 +4549,125 @@
 <file path=ppt/slides/slide11.xml><?xml version="1.0" encoding="utf-8"?>
 <p:sld xmlns:a="http://schemas.openxmlformats.org/drawingml/2006/main" xmlns:r="http://schemas.openxmlformats.org/officeDocument/2006/relationships" xmlns:p="http://schemas.openxmlformats.org/presentationml/2006/main">
   <p:cSld>
+    <p:spTree>
+      <p:nvGrpSpPr>
+        <p:cNvPr id="1" name=""/>
+        <p:cNvGrpSpPr/>
+        <p:nvPr/>
+      </p:nvGrpSpPr>
+      <p:grpSpPr>
+        <a:xfrm>
+          <a:off x="0" y="0"/>
+          <a:ext cx="0" cy="0"/>
+          <a:chOff x="0" y="0"/>
+          <a:chExt cx="0" cy="0"/>
+        </a:xfrm>
+      </p:grpSpPr>
+      <p:sp>
+        <p:nvSpPr>
+          <p:cNvPr id="2" name="Заголовок 1"/>
+          <p:cNvSpPr>
+            <a:spLocks noGrp="1"/>
+          </p:cNvSpPr>
+          <p:nvPr>
+            <p:ph type="title"/>
+          </p:nvPr>
+        </p:nvSpPr>
+        <p:spPr>
+          <a:xfrm flipH="1">
+            <a:off x="666974" y="365125"/>
+            <a:ext cx="171226" cy="1325563"/>
+          </a:xfrm>
+        </p:spPr>
+        <p:txBody>
+          <a:bodyPr/>
+          <a:lstStyle/>
+          <a:p>
+            <a:r>
+              <a:rPr lang="ru-RU" dirty="0" smtClean="0"/>
+              <a:t> </a:t>
+            </a:r>
+            <a:endParaRPr lang="ru-RU" dirty="0"/>
+          </a:p>
+        </p:txBody>
+      </p:sp>
+      <p:sp>
+        <p:nvSpPr>
+          <p:cNvPr id="3" name="Объект 2"/>
+          <p:cNvSpPr>
+            <a:spLocks noGrp="1"/>
+          </p:cNvSpPr>
+          <p:nvPr>
+            <p:ph idx="1"/>
+          </p:nvPr>
+        </p:nvSpPr>
+        <p:spPr>
+          <a:xfrm flipH="1">
+            <a:off x="666974" y="1825625"/>
+            <a:ext cx="171226" cy="4351338"/>
+          </a:xfrm>
+        </p:spPr>
+        <p:txBody>
+          <a:bodyPr/>
+          <a:lstStyle/>
+          <a:p>
+            <a:pPr marL="0" indent="0">
+              <a:buNone/>
+            </a:pPr>
+            <a:r>
+              <a:rPr lang="ru-RU" dirty="0" smtClean="0"/>
+              <a:t> </a:t>
+            </a:r>
+            <a:endParaRPr lang="ru-RU" dirty="0"/>
+          </a:p>
+        </p:txBody>
+      </p:sp>
+      <p:pic>
+        <p:nvPicPr>
+          <p:cNvPr id="4" name="Рисунок 3"/>
+          <p:cNvPicPr>
+            <a:picLocks noChangeAspect="1"/>
+          </p:cNvPicPr>
+          <p:nvPr/>
+        </p:nvPicPr>
+        <p:blipFill>
+          <a:blip r:embed="rId2">
+            <a:extLst>
+              <a:ext uri="{28A0092B-C50C-407E-A947-70E740481C1C}">
+                <a14:useLocalDpi xmlns:a14="http://schemas.microsoft.com/office/drawing/2010/main" val="0"/>
+              </a:ext>
+            </a:extLst>
+          </a:blip>
+          <a:stretch>
+            <a:fillRect/>
+          </a:stretch>
+        </p:blipFill>
+        <p:spPr>
+          <a:xfrm>
+            <a:off x="0" y="0"/>
+            <a:ext cx="12191999" cy="6858000"/>
+          </a:xfrm>
+          <a:prstGeom prst="rect">
+            <a:avLst/>
+          </a:prstGeom>
+        </p:spPr>
+      </p:pic>
+    </p:spTree>
+    <p:extLst>
+      <p:ext uri="{BB962C8B-B14F-4D97-AF65-F5344CB8AC3E}">
+        <p14:creationId xmlns:p14="http://schemas.microsoft.com/office/powerpoint/2010/main" val="58224740"/>
+      </p:ext>
+    </p:extLst>
+  </p:cSld>
+  <p:clrMapOvr>
+    <a:masterClrMapping/>
+  </p:clrMapOvr>
+</p:sld>
+</file>
+
+<file path=ppt/slides/slide12.xml><?xml version="1.0" encoding="utf-8"?>
+<p:sld xmlns:a="http://schemas.openxmlformats.org/drawingml/2006/main" xmlns:r="http://schemas.openxmlformats.org/officeDocument/2006/relationships" xmlns:p="http://schemas.openxmlformats.org/presentationml/2006/main">
+  <p:cSld>
     <p:bg>
       <p:bgPr>
         <a:solidFill>
@@ -4615,7 +4735,7 @@
 </p:sld>
 </file>
 
-<file path=ppt/slides/slide12.xml><?xml version="1.0" encoding="utf-8"?>
+<file path=ppt/slides/slide13.xml><?xml version="1.0" encoding="utf-8"?>
 <p:sld xmlns:a="http://schemas.openxmlformats.org/drawingml/2006/main" xmlns:r="http://schemas.openxmlformats.org/officeDocument/2006/relationships" xmlns:p="http://schemas.openxmlformats.org/presentationml/2006/main">
   <p:cSld>
     <p:spTree>
@@ -4790,7 +4910,7 @@
                 <a16:creationId xmlns:a16="http://schemas.microsoft.com/office/drawing/2014/main" id="{04812C46-200A-4DEB-A05E-3ED6C68C2387}"/>
               </a:ext>
               <a:ext uri="{C183D7F6-B498-43B3-948B-1728B52AA6E4}">
-                <adec:decorative xmlns:adec="http://schemas.microsoft.com/office/drawing/2017/decorative" val="1"/>
+                <adec:decorative xmlns:adec="http://schemas.microsoft.com/office/drawing/2017/decorative" xmlns="" val="1"/>
               </a:ext>
             </a:extLst>
           </p:cNvPr>
@@ -4880,7 +5000,7 @@
                 <a16:creationId xmlns:a16="http://schemas.microsoft.com/office/drawing/2014/main" id="{D1EA859B-E555-4109-94F3-6700E046E008}"/>
               </a:ext>
               <a:ext uri="{C183D7F6-B498-43B3-948B-1728B52AA6E4}">
-                <adec:decorative xmlns:adec="http://schemas.microsoft.com/office/drawing/2017/decorative" val="1"/>
+                <adec:decorative xmlns:adec="http://schemas.microsoft.com/office/drawing/2017/decorative" xmlns="" val="1"/>
               </a:ext>
             </a:extLst>
           </p:cNvPr>
